--- a/Ekosystem.NET.pptx
+++ b/Ekosystem.NET.pptx
@@ -6,13 +6,14 @@
   </p:sldMasterIdLst>
   <p:sldIdLst>
     <p:sldId id="256" r:id="rId2"/>
-    <p:sldId id="257" r:id="rId3"/>
-    <p:sldId id="258" r:id="rId4"/>
-    <p:sldId id="259" r:id="rId5"/>
-    <p:sldId id="261" r:id="rId6"/>
-    <p:sldId id="262" r:id="rId7"/>
-    <p:sldId id="263" r:id="rId8"/>
-    <p:sldId id="260" r:id="rId9"/>
+    <p:sldId id="264" r:id="rId3"/>
+    <p:sldId id="257" r:id="rId4"/>
+    <p:sldId id="258" r:id="rId5"/>
+    <p:sldId id="259" r:id="rId6"/>
+    <p:sldId id="261" r:id="rId7"/>
+    <p:sldId id="262" r:id="rId8"/>
+    <p:sldId id="263" r:id="rId9"/>
+    <p:sldId id="260" r:id="rId10"/>
   </p:sldIdLst>
   <p:sldSz cx="12192000" cy="6858000"/>
   <p:notesSz cx="6858000" cy="9144000"/>
@@ -111,6 +112,11 @@
       </a:defRPr>
     </a:lvl9pPr>
   </p:defaultTextStyle>
+  <p:extLst>
+    <p:ext uri="{EFAFB233-063F-42B5-8137-9DF3F51BA10A}">
+      <p15:sldGuideLst xmlns:p15="http://schemas.microsoft.com/office/powerpoint/2012/main"/>
+    </p:ext>
+  </p:extLst>
 </p:presentation>
 </file>
 
@@ -3437,6 +3443,169 @@
           <p:cNvPr id="2" name="Title 1">
             <a:extLst>
               <a:ext uri="{FF2B5EF4-FFF2-40B4-BE49-F238E27FC236}">
+                <a16:creationId xmlns:a16="http://schemas.microsoft.com/office/drawing/2014/main" id="{4045A616-AEDF-4F79-B79E-EE1B1C942C9B}"/>
+              </a:ext>
+            </a:extLst>
+          </p:cNvPr>
+          <p:cNvSpPr>
+            <a:spLocks noGrp="1"/>
+          </p:cNvSpPr>
+          <p:nvPr>
+            <p:ph type="title"/>
+          </p:nvPr>
+        </p:nvSpPr>
+        <p:spPr/>
+        <p:txBody>
+          <a:bodyPr/>
+          <a:lstStyle/>
+          <a:p>
+            <a:r>
+              <a:rPr lang="pl-PL" dirty="0" err="1"/>
+              <a:t>Compilation</a:t>
+            </a:r>
+            <a:r>
+              <a:rPr lang="pl-PL" dirty="0"/>
+              <a:t> </a:t>
+            </a:r>
+            <a:r>
+              <a:rPr lang="pl-PL" dirty="0" err="1"/>
+              <a:t>process</a:t>
+            </a:r>
+            <a:endParaRPr lang="pl-PL" dirty="0"/>
+          </a:p>
+        </p:txBody>
+      </p:sp>
+      <p:pic>
+        <p:nvPicPr>
+          <p:cNvPr id="1026" name="Picture 2" descr="Learn c# .net structure">
+            <a:extLst>
+              <a:ext uri="{FF2B5EF4-FFF2-40B4-BE49-F238E27FC236}">
+                <a16:creationId xmlns:a16="http://schemas.microsoft.com/office/drawing/2014/main" id="{A879E2BD-B0BE-4C36-B61C-B8D0F9C1C4E7}"/>
+              </a:ext>
+            </a:extLst>
+          </p:cNvPr>
+          <p:cNvPicPr>
+            <a:picLocks noGrp="1" noChangeAspect="1" noChangeArrowheads="1"/>
+          </p:cNvPicPr>
+          <p:nvPr>
+            <p:ph idx="1"/>
+          </p:nvPr>
+        </p:nvPicPr>
+        <p:blipFill>
+          <a:blip r:embed="rId2">
+            <a:extLst>
+              <a:ext uri="{28A0092B-C50C-407E-A947-70E740481C1C}">
+                <a14:useLocalDpi xmlns:a14="http://schemas.microsoft.com/office/drawing/2010/main" val="0"/>
+              </a:ext>
+            </a:extLst>
+          </a:blip>
+          <a:srcRect/>
+          <a:stretch>
+            <a:fillRect/>
+          </a:stretch>
+        </p:blipFill>
+        <p:spPr bwMode="auto">
+          <a:xfrm>
+            <a:off x="718259" y="1917405"/>
+            <a:ext cx="8010525" cy="2009775"/>
+          </a:xfrm>
+          <a:prstGeom prst="rect">
+            <a:avLst/>
+          </a:prstGeom>
+          <a:noFill/>
+          <a:extLst>
+            <a:ext uri="{909E8E84-426E-40DD-AFC4-6F175D3DCCD1}">
+              <a14:hiddenFill xmlns:a14="http://schemas.microsoft.com/office/drawing/2010/main">
+                <a:solidFill>
+                  <a:srgbClr val="FFFFFF"/>
+                </a:solidFill>
+              </a14:hiddenFill>
+            </a:ext>
+          </a:extLst>
+        </p:spPr>
+      </p:pic>
+      <p:pic>
+        <p:nvPicPr>
+          <p:cNvPr id="1028" name="Picture 4" descr="Learn c# .net structure expanded">
+            <a:extLst>
+              <a:ext uri="{FF2B5EF4-FFF2-40B4-BE49-F238E27FC236}">
+                <a16:creationId xmlns:a16="http://schemas.microsoft.com/office/drawing/2014/main" id="{50CE88D6-7E81-4487-ABF3-F998441EE01F}"/>
+              </a:ext>
+            </a:extLst>
+          </p:cNvPr>
+          <p:cNvPicPr>
+            <a:picLocks noChangeAspect="1" noChangeArrowheads="1"/>
+          </p:cNvPicPr>
+          <p:nvPr/>
+        </p:nvPicPr>
+        <p:blipFill>
+          <a:blip r:embed="rId3">
+            <a:extLst>
+              <a:ext uri="{28A0092B-C50C-407E-A947-70E740481C1C}">
+                <a14:useLocalDpi xmlns:a14="http://schemas.microsoft.com/office/drawing/2010/main" val="0"/>
+              </a:ext>
+            </a:extLst>
+          </a:blip>
+          <a:srcRect/>
+          <a:stretch>
+            <a:fillRect/>
+          </a:stretch>
+        </p:blipFill>
+        <p:spPr bwMode="auto">
+          <a:xfrm>
+            <a:off x="718258" y="4153898"/>
+            <a:ext cx="7380713" cy="2466088"/>
+          </a:xfrm>
+          <a:prstGeom prst="rect">
+            <a:avLst/>
+          </a:prstGeom>
+          <a:noFill/>
+          <a:extLst>
+            <a:ext uri="{909E8E84-426E-40DD-AFC4-6F175D3DCCD1}">
+              <a14:hiddenFill xmlns:a14="http://schemas.microsoft.com/office/drawing/2010/main">
+                <a:solidFill>
+                  <a:srgbClr val="FFFFFF"/>
+                </a:solidFill>
+              </a14:hiddenFill>
+            </a:ext>
+          </a:extLst>
+        </p:spPr>
+      </p:pic>
+    </p:spTree>
+    <p:extLst>
+      <p:ext uri="{BB962C8B-B14F-4D97-AF65-F5344CB8AC3E}">
+        <p14:creationId xmlns:p14="http://schemas.microsoft.com/office/powerpoint/2010/main" val="2436120317"/>
+      </p:ext>
+    </p:extLst>
+  </p:cSld>
+  <p:clrMapOvr>
+    <a:masterClrMapping/>
+  </p:clrMapOvr>
+</p:sld>
+</file>
+
+<file path=ppt/slides/slide3.xml><?xml version="1.0" encoding="utf-8"?>
+<p:sld xmlns:a="http://schemas.openxmlformats.org/drawingml/2006/main" xmlns:r="http://schemas.openxmlformats.org/officeDocument/2006/relationships" xmlns:p="http://schemas.openxmlformats.org/presentationml/2006/main">
+  <p:cSld>
+    <p:spTree>
+      <p:nvGrpSpPr>
+        <p:cNvPr id="1" name=""/>
+        <p:cNvGrpSpPr/>
+        <p:nvPr/>
+      </p:nvGrpSpPr>
+      <p:grpSpPr>
+        <a:xfrm>
+          <a:off x="0" y="0"/>
+          <a:ext cx="0" cy="0"/>
+          <a:chOff x="0" y="0"/>
+          <a:chExt cx="0" cy="0"/>
+        </a:xfrm>
+      </p:grpSpPr>
+      <p:sp>
+        <p:nvSpPr>
+          <p:cNvPr id="2" name="Title 1">
+            <a:extLst>
+              <a:ext uri="{FF2B5EF4-FFF2-40B4-BE49-F238E27FC236}">
                 <a16:creationId xmlns:a16="http://schemas.microsoft.com/office/drawing/2014/main" id="{9FA50664-E4F9-483C-9507-9B5FA2939278}"/>
               </a:ext>
             </a:extLst>
@@ -3562,7 +3731,7 @@
 </p:sld>
 </file>
 
-<file path=ppt/slides/slide3.xml><?xml version="1.0" encoding="utf-8"?>
+<file path=ppt/slides/slide4.xml><?xml version="1.0" encoding="utf-8"?>
 <p:sld xmlns:a="http://schemas.openxmlformats.org/drawingml/2006/main" xmlns:r="http://schemas.openxmlformats.org/officeDocument/2006/relationships" xmlns:p="http://schemas.openxmlformats.org/presentationml/2006/main">
   <p:cSld>
     <p:spTree>
@@ -3669,7 +3838,7 @@
 </p:sld>
 </file>
 
-<file path=ppt/slides/slide4.xml><?xml version="1.0" encoding="utf-8"?>
+<file path=ppt/slides/slide5.xml><?xml version="1.0" encoding="utf-8"?>
 <p:sld xmlns:a="http://schemas.openxmlformats.org/drawingml/2006/main" xmlns:r="http://schemas.openxmlformats.org/officeDocument/2006/relationships" xmlns:p="http://schemas.openxmlformats.org/presentationml/2006/main">
   <p:cSld>
     <p:spTree>
@@ -3773,7 +3942,7 @@
 </p:sld>
 </file>
 
-<file path=ppt/slides/slide5.xml><?xml version="1.0" encoding="utf-8"?>
+<file path=ppt/slides/slide6.xml><?xml version="1.0" encoding="utf-8"?>
 <p:sld xmlns:a="http://schemas.openxmlformats.org/drawingml/2006/main" xmlns:r="http://schemas.openxmlformats.org/officeDocument/2006/relationships" xmlns:p="http://schemas.openxmlformats.org/presentationml/2006/main">
   <p:cSld>
     <p:spTree>
@@ -3889,7 +4058,7 @@
 </p:sld>
 </file>
 
-<file path=ppt/slides/slide6.xml><?xml version="1.0" encoding="utf-8"?>
+<file path=ppt/slides/slide7.xml><?xml version="1.0" encoding="utf-8"?>
 <p:sld xmlns:a="http://schemas.openxmlformats.org/drawingml/2006/main" xmlns:r="http://schemas.openxmlformats.org/officeDocument/2006/relationships" xmlns:p="http://schemas.openxmlformats.org/presentationml/2006/main">
   <p:cSld>
     <p:spTree>
@@ -4011,7 +4180,7 @@
 </p:sld>
 </file>
 
-<file path=ppt/slides/slide7.xml><?xml version="1.0" encoding="utf-8"?>
+<file path=ppt/slides/slide8.xml><?xml version="1.0" encoding="utf-8"?>
 <p:sld xmlns:a="http://schemas.openxmlformats.org/drawingml/2006/main" xmlns:r="http://schemas.openxmlformats.org/officeDocument/2006/relationships" xmlns:p="http://schemas.openxmlformats.org/presentationml/2006/main">
   <p:cSld>
     <p:spTree>
@@ -4172,7 +4341,7 @@
 </p:sld>
 </file>
 
-<file path=ppt/slides/slide8.xml><?xml version="1.0" encoding="utf-8"?>
+<file path=ppt/slides/slide9.xml><?xml version="1.0" encoding="utf-8"?>
 <p:sld xmlns:a="http://schemas.openxmlformats.org/drawingml/2006/main" xmlns:r="http://schemas.openxmlformats.org/officeDocument/2006/relationships" xmlns:p="http://schemas.openxmlformats.org/presentationml/2006/main">
   <p:cSld>
     <p:spTree>
@@ -4239,9 +4408,24 @@
           <a:lstStyle/>
           <a:p>
             <a:r>
-              <a:rPr lang="pl-PL" dirty="0"/>
+              <a:rPr lang="pl-PL" dirty="0">
+                <a:hlinkClick r:id="rId2"/>
+              </a:rPr>
               <a:t>https://www.plukasiewicz.net/DotNet5/DotNet5Introduction</a:t>
             </a:r>
+            <a:endParaRPr lang="pl-PL" dirty="0"/>
+          </a:p>
+          <a:p>
+            <a:r>
+              <a:rPr lang="pl-PL" dirty="0">
+                <a:hlinkClick r:id="rId3"/>
+              </a:rPr>
+              <a:t>https://codeasy.net/lesson/c_sharp_compilation_process</a:t>
+            </a:r>
+            <a:endParaRPr lang="pl-PL" dirty="0"/>
+          </a:p>
+          <a:p>
+            <a:endParaRPr lang="pl-PL" dirty="0"/>
           </a:p>
         </p:txBody>
       </p:sp>
